--- a/cousera/share/Week_1(takagishi).pptx
+++ b/cousera/share/Week_1(takagishi).pptx
@@ -4520,20 +4520,7 @@
                 <a:ea typeface="メイリオ" panose="020B0604030504040204" pitchFamily="50" charset="-128"/>
                 <a:cs typeface="Microsoft Himalaya" panose="01010100010101010101" pitchFamily="2" charset="0"/>
               </a:rPr>
-              <a:t>今回</a:t>
-            </a:r>
-            <a:r>
-              <a:rPr lang="ja-JP" altLang="en-US" dirty="0" smtClean="0">
-                <a:solidFill>
-                  <a:schemeClr val="bg1">
-                    <a:lumMod val="50000"/>
-                  </a:schemeClr>
-                </a:solidFill>
-                <a:latin typeface="メイリオ" panose="020B0604030504040204" pitchFamily="50" charset="-128"/>
-                <a:ea typeface="メイリオ" panose="020B0604030504040204" pitchFamily="50" charset="-128"/>
-                <a:cs typeface="Microsoft Himalaya" panose="01010100010101010101" pitchFamily="2" charset="0"/>
-              </a:rPr>
-              <a:t>はここの</a:t>
+              <a:t>今回はここの</a:t>
             </a:r>
             <a:endParaRPr lang="en-US" altLang="ja-JP" dirty="0" smtClean="0">
               <a:solidFill>
@@ -4938,7 +4925,7 @@
         <p:spPr>
           <a:xfrm>
             <a:off x="26126" y="27396"/>
-            <a:ext cx="12030891" cy="5647700"/>
+            <a:ext cx="12030891" cy="5309146"/>
           </a:xfrm>
           <a:prstGeom prst="rect">
             <a:avLst/>
@@ -4984,18 +4971,10 @@
                 <a:ea typeface="メイリオ" panose="020B0604030504040204" pitchFamily="50" charset="-128"/>
                 <a:cs typeface="Microsoft Himalaya" panose="01010100010101010101" pitchFamily="2" charset="0"/>
               </a:rPr>
-              <a:t>元</a:t>
-            </a:r>
-            <a:r>
-              <a:rPr lang="ja-JP" altLang="en-US" dirty="0" smtClean="0">
-                <a:latin typeface="メイリオ" panose="020B0604030504040204" pitchFamily="50" charset="-128"/>
-                <a:ea typeface="メイリオ" panose="020B0604030504040204" pitchFamily="50" charset="-128"/>
-                <a:cs typeface="Microsoft Himalaya" panose="01010100010101010101" pitchFamily="2" charset="0"/>
-              </a:rPr>
-              <a:t>論文</a:t>
-            </a:r>
-            <a:r>
-              <a:rPr lang="en-US" altLang="ja-JP" dirty="0">
+              <a:t>元論文</a:t>
+            </a:r>
+            <a:r>
+              <a:rPr lang="en-US" altLang="ja-JP">
                 <a:latin typeface="メイリオ" panose="020B0604030504040204" pitchFamily="50" charset="-128"/>
                 <a:ea typeface="メイリオ" panose="020B0604030504040204" pitchFamily="50" charset="-128"/>
                 <a:cs typeface="Microsoft Himalaya" panose="01010100010101010101" pitchFamily="2" charset="0"/>
@@ -5003,29 +4982,38 @@
               <a:t/>
             </a:r>
             <a:br>
-              <a:rPr lang="en-US" altLang="ja-JP" dirty="0">
+              <a:rPr lang="en-US" altLang="ja-JP">
                 <a:latin typeface="メイリオ" panose="020B0604030504040204" pitchFamily="50" charset="-128"/>
                 <a:ea typeface="メイリオ" panose="020B0604030504040204" pitchFamily="50" charset="-128"/>
                 <a:cs typeface="Microsoft Himalaya" panose="01010100010101010101" pitchFamily="2" charset="0"/>
               </a:rPr>
             </a:br>
             <a:r>
-              <a:rPr lang="en-US" altLang="ja-JP" sz="1100" dirty="0">
+              <a:rPr lang="en-US" altLang="ja-JP" sz="1100">
                 <a:latin typeface="メイリオ" panose="020B0604030504040204" pitchFamily="50" charset="-128"/>
                 <a:ea typeface="メイリオ" panose="020B0604030504040204" pitchFamily="50" charset="-128"/>
                 <a:cs typeface="Microsoft Himalaya" panose="01010100010101010101" pitchFamily="2" charset="0"/>
                 <a:hlinkClick r:id="rId2"/>
               </a:rPr>
-              <a:t>http://delivery.acm.org/10.1145/2940000/2939785/p785-chen.pdf?ip=203.179.35.3&amp;id=2939785&amp;acc=CHORUS&amp;key=4D4702B0C3E38B35%2E4D4702B0C3E38B35%2E4D4702B0C3E38B35%2E6D218144511F3437&amp;__acm__=</a:t>
-            </a:r>
-            <a:r>
-              <a:rPr lang="en-US" altLang="ja-JP" sz="1100" dirty="0" smtClean="0">
+              <a:t>https</a:t>
+            </a:r>
+            <a:r>
+              <a:rPr lang="en-US" altLang="ja-JP" sz="1100">
                 <a:latin typeface="メイリオ" panose="020B0604030504040204" pitchFamily="50" charset="-128"/>
                 <a:ea typeface="メイリオ" panose="020B0604030504040204" pitchFamily="50" charset="-128"/>
                 <a:cs typeface="Microsoft Himalaya" panose="01010100010101010101" pitchFamily="2" charset="0"/>
                 <a:hlinkClick r:id="rId2"/>
               </a:rPr>
-              <a:t>1532530471_6d0713472a59a9fb5d642685cbc5c7bf</a:t>
+              <a:t>://</a:t>
+            </a:r>
+            <a:r>
+              <a:rPr lang="en-US" altLang="ja-JP" sz="1100" smtClean="0">
+                <a:latin typeface="メイリオ" panose="020B0604030504040204" pitchFamily="50" charset="-128"/>
+                <a:ea typeface="メイリオ" panose="020B0604030504040204" pitchFamily="50" charset="-128"/>
+                <a:cs typeface="Microsoft Himalaya" panose="01010100010101010101" pitchFamily="2" charset="0"/>
+                <a:hlinkClick r:id="rId2"/>
+              </a:rPr>
+              <a:t>arxiv.org/abs/1603.02754</a:t>
             </a:r>
             <a:r>
               <a:rPr lang="en-US" altLang="ja-JP" dirty="0" smtClean="0">
